--- a/ppt/Python23-Async.pptx
+++ b/ppt/Python23-Async.pptx
@@ -5,10 +5,10 @@
     <p:sldMasterId id="2147483653" r:id="rId1"/>
   </p:sldMasterIdLst>
   <p:notesMasterIdLst>
-    <p:notesMasterId r:id="rId10"/>
+    <p:notesMasterId r:id="rId12"/>
   </p:notesMasterIdLst>
   <p:handoutMasterIdLst>
-    <p:handoutMasterId r:id="rId11"/>
+    <p:handoutMasterId r:id="rId13"/>
   </p:handoutMasterIdLst>
   <p:sldIdLst>
     <p:sldId id="264" r:id="rId2"/>
@@ -19,6 +19,8 @@
     <p:sldId id="272" r:id="rId7"/>
     <p:sldId id="279" r:id="rId8"/>
     <p:sldId id="280" r:id="rId9"/>
+    <p:sldId id="281" r:id="rId10"/>
+    <p:sldId id="282" r:id="rId11"/>
   </p:sldIdLst>
   <p:sldSz cx="9144000" cy="6858000" type="screen4x3"/>
   <p:notesSz cx="6648450" cy="9782175"/>
@@ -3739,6 +3741,311 @@
 </p:sld>
 </file>
 
+<file path=ppt/slides/slide10.xml><?xml version="1.0" encoding="utf-8"?>
+<p:sld xmlns:a="http://schemas.openxmlformats.org/drawingml/2006/main" xmlns:r="http://schemas.openxmlformats.org/officeDocument/2006/relationships" xmlns:p="http://schemas.openxmlformats.org/presentationml/2006/main">
+  <p:cSld>
+    <p:spTree>
+      <p:nvGrpSpPr>
+        <p:cNvPr id="1" name=""/>
+        <p:cNvGrpSpPr/>
+        <p:nvPr/>
+      </p:nvGrpSpPr>
+      <p:grpSpPr>
+        <a:xfrm>
+          <a:off x="0" y="0"/>
+          <a:ext cx="0" cy="0"/>
+          <a:chOff x="0" y="0"/>
+          <a:chExt cx="0" cy="0"/>
+        </a:xfrm>
+      </p:grpSpPr>
+      <p:sp>
+        <p:nvSpPr>
+          <p:cNvPr id="2" name="Titre 1">
+            <a:extLst>
+              <a:ext uri="{FF2B5EF4-FFF2-40B4-BE49-F238E27FC236}">
+                <a16:creationId xmlns:a16="http://schemas.microsoft.com/office/drawing/2014/main" id="{6313797C-84C7-5000-9CB3-F61DEEE2E989}"/>
+              </a:ext>
+            </a:extLst>
+          </p:cNvPr>
+          <p:cNvSpPr>
+            <a:spLocks noGrp="1"/>
+          </p:cNvSpPr>
+          <p:nvPr>
+            <p:ph type="title"/>
+          </p:nvPr>
+        </p:nvSpPr>
+        <p:spPr/>
+        <p:txBody>
+          <a:bodyPr/>
+          <a:lstStyle/>
+          <a:p>
+            <a:r>
+              <a:rPr lang="fr-FR" dirty="0"/>
+              <a:t>Comment utiliser les </a:t>
+            </a:r>
+            <a:r>
+              <a:rPr lang="fr-FR" dirty="0" err="1"/>
+              <a:t>async_session</a:t>
+            </a:r>
+            <a:endParaRPr lang="fr-FR" dirty="0"/>
+          </a:p>
+        </p:txBody>
+      </p:sp>
+      <p:sp>
+        <p:nvSpPr>
+          <p:cNvPr id="3" name="Espace réservé du contenu 2">
+            <a:extLst>
+              <a:ext uri="{FF2B5EF4-FFF2-40B4-BE49-F238E27FC236}">
+                <a16:creationId xmlns:a16="http://schemas.microsoft.com/office/drawing/2014/main" id="{FD3FF25B-3550-3D4D-3328-FE138155D44C}"/>
+              </a:ext>
+            </a:extLst>
+          </p:cNvPr>
+          <p:cNvSpPr>
+            <a:spLocks noGrp="1"/>
+          </p:cNvSpPr>
+          <p:nvPr>
+            <p:ph idx="1"/>
+          </p:nvPr>
+        </p:nvSpPr>
+        <p:spPr/>
+        <p:txBody>
+          <a:bodyPr/>
+          <a:lstStyle/>
+          <a:p>
+            <a:pPr marL="0" indent="0">
+              <a:buNone/>
+            </a:pPr>
+            <a:r>
+              <a:rPr lang="fr-FR" sz="2000" dirty="0" err="1"/>
+              <a:t>async</a:t>
+            </a:r>
+            <a:r>
+              <a:rPr lang="fr-FR" sz="2000" dirty="0"/>
+              <a:t> </a:t>
+            </a:r>
+            <a:r>
+              <a:rPr lang="fr-FR" sz="2000" dirty="0" err="1"/>
+              <a:t>def</a:t>
+            </a:r>
+            <a:r>
+              <a:rPr lang="fr-FR" sz="2000" dirty="0"/>
+              <a:t> </a:t>
+            </a:r>
+            <a:r>
+              <a:rPr lang="fr-FR" sz="2000" dirty="0" err="1"/>
+              <a:t>select_and_update_objects</a:t>
+            </a:r>
+            <a:r>
+              <a:rPr lang="fr-FR" sz="2000" dirty="0"/>
+              <a:t>(</a:t>
+            </a:r>
+          </a:p>
+          <a:p>
+            <a:pPr marL="0" indent="0">
+              <a:buNone/>
+            </a:pPr>
+            <a:r>
+              <a:rPr lang="fr-FR" sz="2000" dirty="0"/>
+              <a:t>...     </a:t>
+            </a:r>
+            <a:r>
+              <a:rPr lang="fr-FR" sz="2000" dirty="0" err="1"/>
+              <a:t>async_session</a:t>
+            </a:r>
+            <a:r>
+              <a:rPr lang="fr-FR" sz="2000" dirty="0"/>
+              <a:t>: </a:t>
+            </a:r>
+            <a:r>
+              <a:rPr lang="fr-FR" sz="2000" dirty="0" err="1"/>
+              <a:t>async_sessionmaker</a:t>
+            </a:r>
+            <a:r>
+              <a:rPr lang="fr-FR" sz="2000" dirty="0"/>
+              <a:t>[</a:t>
+            </a:r>
+            <a:r>
+              <a:rPr lang="fr-FR" sz="2000" dirty="0" err="1"/>
+              <a:t>AsyncSession</a:t>
+            </a:r>
+            <a:r>
+              <a:rPr lang="fr-FR" sz="2000" dirty="0"/>
+              <a:t>])</a:t>
+            </a:r>
+          </a:p>
+          <a:p>
+            <a:pPr marL="0" indent="0">
+              <a:buNone/>
+            </a:pPr>
+            <a:r>
+              <a:rPr lang="fr-FR" sz="2000" dirty="0"/>
+              <a:t>...     </a:t>
+            </a:r>
+            <a:r>
+              <a:rPr lang="fr-FR" sz="2000" dirty="0" err="1"/>
+              <a:t>async</a:t>
+            </a:r>
+            <a:r>
+              <a:rPr lang="fr-FR" sz="2000" dirty="0"/>
+              <a:t> </a:t>
+            </a:r>
+            <a:r>
+              <a:rPr lang="fr-FR" sz="2000" dirty="0" err="1"/>
+              <a:t>with</a:t>
+            </a:r>
+            <a:r>
+              <a:rPr lang="fr-FR" sz="2000" dirty="0"/>
+              <a:t> </a:t>
+            </a:r>
+            <a:r>
+              <a:rPr lang="fr-FR" sz="2000" dirty="0" err="1"/>
+              <a:t>async_session</a:t>
+            </a:r>
+            <a:r>
+              <a:rPr lang="fr-FR" sz="2000" dirty="0"/>
+              <a:t>() as session:</a:t>
+            </a:r>
+          </a:p>
+          <a:p>
+            <a:pPr marL="0" indent="0">
+              <a:buNone/>
+            </a:pPr>
+            <a:r>
+              <a:rPr lang="fr-FR" sz="2000" dirty="0"/>
+              <a:t>...         </a:t>
+            </a:r>
+            <a:r>
+              <a:rPr lang="fr-FR" sz="2000" dirty="0" err="1"/>
+              <a:t>stmt</a:t>
+            </a:r>
+            <a:r>
+              <a:rPr lang="fr-FR" sz="2000" dirty="0"/>
+              <a:t> = select(A).</a:t>
+            </a:r>
+            <a:r>
+              <a:rPr lang="fr-FR" sz="2000" dirty="0" err="1"/>
+              <a:t>order_by</a:t>
+            </a:r>
+            <a:r>
+              <a:rPr lang="fr-FR" sz="2000" dirty="0"/>
+              <a:t>(A.id).options(</a:t>
+            </a:r>
+            <a:r>
+              <a:rPr lang="fr-FR" sz="2000" dirty="0" err="1"/>
+              <a:t>selectinload</a:t>
+            </a:r>
+            <a:r>
+              <a:rPr lang="fr-FR" sz="2000" dirty="0"/>
+              <a:t>(A.bs))</a:t>
+            </a:r>
+          </a:p>
+          <a:p>
+            <a:pPr marL="0" indent="0">
+              <a:buNone/>
+            </a:pPr>
+            <a:r>
+              <a:rPr lang="fr-FR" sz="2000" dirty="0"/>
+              <a:t>...         </a:t>
+            </a:r>
+            <a:r>
+              <a:rPr lang="fr-FR" sz="2000" dirty="0" err="1"/>
+              <a:t>result</a:t>
+            </a:r>
+            <a:r>
+              <a:rPr lang="fr-FR" sz="2000" dirty="0"/>
+              <a:t> = </a:t>
+            </a:r>
+            <a:r>
+              <a:rPr lang="fr-FR" sz="2000" dirty="0" err="1"/>
+              <a:t>await</a:t>
+            </a:r>
+            <a:r>
+              <a:rPr lang="fr-FR" sz="2000" dirty="0"/>
+              <a:t> </a:t>
+            </a:r>
+            <a:r>
+              <a:rPr lang="fr-FR" sz="2000" dirty="0" err="1"/>
+              <a:t>session.execute</a:t>
+            </a:r>
+            <a:r>
+              <a:rPr lang="fr-FR" sz="2000" dirty="0"/>
+              <a:t>(</a:t>
+            </a:r>
+            <a:r>
+              <a:rPr lang="fr-FR" sz="2000" dirty="0" err="1"/>
+              <a:t>stmt</a:t>
+            </a:r>
+            <a:r>
+              <a:rPr lang="fr-FR" sz="2000" dirty="0"/>
+              <a:t>)</a:t>
+            </a:r>
+          </a:p>
+          <a:p>
+            <a:pPr marL="0" indent="0">
+              <a:buNone/>
+            </a:pPr>
+            <a:r>
+              <a:rPr lang="fr-FR" sz="2000" dirty="0"/>
+              <a:t>...         a1 = </a:t>
+            </a:r>
+            <a:r>
+              <a:rPr lang="fr-FR" sz="2000" dirty="0" err="1"/>
+              <a:t>result.scalars</a:t>
+            </a:r>
+            <a:r>
+              <a:rPr lang="fr-FR" sz="2000" dirty="0"/>
+              <a:t>().one()</a:t>
+            </a:r>
+          </a:p>
+          <a:p>
+            <a:pPr marL="0" indent="0">
+              <a:buNone/>
+            </a:pPr>
+            <a:r>
+              <a:rPr lang="fr-FR" sz="2000" dirty="0"/>
+              <a:t>...         a1.data = "new data"</a:t>
+            </a:r>
+          </a:p>
+          <a:p>
+            <a:pPr marL="0" indent="0">
+              <a:buNone/>
+            </a:pPr>
+            <a:r>
+              <a:rPr lang="fr-FR" sz="2000" dirty="0"/>
+              <a:t>...         </a:t>
+            </a:r>
+            <a:r>
+              <a:rPr lang="fr-FR" sz="2000" dirty="0" err="1"/>
+              <a:t>await</a:t>
+            </a:r>
+            <a:r>
+              <a:rPr lang="fr-FR" sz="2000" dirty="0"/>
+              <a:t> </a:t>
+            </a:r>
+            <a:r>
+              <a:rPr lang="fr-FR" sz="2000" dirty="0" err="1"/>
+              <a:t>session.commit</a:t>
+            </a:r>
+            <a:r>
+              <a:rPr lang="fr-FR" sz="2000" dirty="0"/>
+              <a:t>()</a:t>
+            </a:r>
+          </a:p>
+        </p:txBody>
+      </p:sp>
+    </p:spTree>
+    <p:extLst>
+      <p:ext uri="{BB962C8B-B14F-4D97-AF65-F5344CB8AC3E}">
+        <p14:creationId xmlns:p14="http://schemas.microsoft.com/office/powerpoint/2010/main" val="2059235391"/>
+      </p:ext>
+    </p:extLst>
+  </p:cSld>
+  <p:clrMapOvr>
+    <a:masterClrMapping/>
+  </p:clrMapOvr>
+</p:sld>
+</file>
+
 <file path=ppt/slides/slide2.xml><?xml version="1.0" encoding="utf-8"?>
 <p:sld xmlns:a="http://schemas.openxmlformats.org/drawingml/2006/main" xmlns:r="http://schemas.openxmlformats.org/officeDocument/2006/relationships" xmlns:p="http://schemas.openxmlformats.org/presentationml/2006/main">
   <p:cSld>
@@ -4770,13 +5077,8 @@
             <a:pPr lvl="1"/>
             <a:r>
               <a:rPr lang="fr-FR" dirty="0"/>
-              <a:t>Plus </a:t>
-            </a:r>
-            <a:r>
-              <a:rPr lang="fr-FR"/>
-              <a:t>de contrôle</a:t>
-            </a:r>
-            <a:endParaRPr lang="fr-FR" dirty="0"/>
+              <a:t>Plus de contrôle</a:t>
+            </a:r>
           </a:p>
         </p:txBody>
       </p:sp>
@@ -4784,6 +5086,180 @@
     <p:extLst>
       <p:ext uri="{BB962C8B-B14F-4D97-AF65-F5344CB8AC3E}">
         <p14:creationId xmlns:p14="http://schemas.microsoft.com/office/powerpoint/2010/main" val="3096227486"/>
+      </p:ext>
+    </p:extLst>
+  </p:cSld>
+  <p:clrMapOvr>
+    <a:masterClrMapping/>
+  </p:clrMapOvr>
+</p:sld>
+</file>
+
+<file path=ppt/slides/slide9.xml><?xml version="1.0" encoding="utf-8"?>
+<p:sld xmlns:a="http://schemas.openxmlformats.org/drawingml/2006/main" xmlns:r="http://schemas.openxmlformats.org/officeDocument/2006/relationships" xmlns:p="http://schemas.openxmlformats.org/presentationml/2006/main">
+  <p:cSld>
+    <p:spTree>
+      <p:nvGrpSpPr>
+        <p:cNvPr id="1" name=""/>
+        <p:cNvGrpSpPr/>
+        <p:nvPr/>
+      </p:nvGrpSpPr>
+      <p:grpSpPr>
+        <a:xfrm>
+          <a:off x="0" y="0"/>
+          <a:ext cx="0" cy="0"/>
+          <a:chOff x="0" y="0"/>
+          <a:chExt cx="0" cy="0"/>
+        </a:xfrm>
+      </p:grpSpPr>
+      <p:sp>
+        <p:nvSpPr>
+          <p:cNvPr id="2" name="Titre 1">
+            <a:extLst>
+              <a:ext uri="{FF2B5EF4-FFF2-40B4-BE49-F238E27FC236}">
+                <a16:creationId xmlns:a16="http://schemas.microsoft.com/office/drawing/2014/main" id="{E7AEE088-A3A3-1235-73BA-86B01BDCE920}"/>
+              </a:ext>
+            </a:extLst>
+          </p:cNvPr>
+          <p:cNvSpPr>
+            <a:spLocks noGrp="1"/>
+          </p:cNvSpPr>
+          <p:nvPr>
+            <p:ph type="title"/>
+          </p:nvPr>
+        </p:nvSpPr>
+        <p:spPr/>
+        <p:txBody>
+          <a:bodyPr/>
+          <a:lstStyle/>
+          <a:p>
+            <a:r>
+              <a:rPr lang="fr-FR" dirty="0" err="1"/>
+              <a:t>SQLAlchemy</a:t>
+            </a:r>
+            <a:r>
+              <a:rPr lang="fr-FR" dirty="0"/>
+              <a:t> et les coroutines</a:t>
+            </a:r>
+          </a:p>
+        </p:txBody>
+      </p:sp>
+      <p:sp>
+        <p:nvSpPr>
+          <p:cNvPr id="3" name="Espace réservé du contenu 2">
+            <a:extLst>
+              <a:ext uri="{FF2B5EF4-FFF2-40B4-BE49-F238E27FC236}">
+                <a16:creationId xmlns:a16="http://schemas.microsoft.com/office/drawing/2014/main" id="{4C946471-0F2B-558A-AB37-478B461510EC}"/>
+              </a:ext>
+            </a:extLst>
+          </p:cNvPr>
+          <p:cNvSpPr>
+            <a:spLocks noGrp="1"/>
+          </p:cNvSpPr>
+          <p:nvPr>
+            <p:ph idx="1"/>
+          </p:nvPr>
+        </p:nvSpPr>
+        <p:spPr/>
+        <p:txBody>
+          <a:bodyPr/>
+          <a:lstStyle/>
+          <a:p>
+            <a:r>
+              <a:rPr lang="fr-FR" dirty="0" err="1"/>
+              <a:t>from</a:t>
+            </a:r>
+            <a:r>
+              <a:rPr lang="fr-FR" dirty="0"/>
+              <a:t> </a:t>
+            </a:r>
+            <a:r>
+              <a:rPr lang="fr-FR" dirty="0" err="1"/>
+              <a:t>sqlalchemy.ext.asyncio</a:t>
+            </a:r>
+            <a:r>
+              <a:rPr lang="fr-FR" dirty="0"/>
+              <a:t> import </a:t>
+            </a:r>
+            <a:r>
+              <a:rPr lang="fr-FR" dirty="0" err="1"/>
+              <a:t>create_async_engine</a:t>
+            </a:r>
+            <a:endParaRPr lang="fr-FR" dirty="0"/>
+          </a:p>
+          <a:p>
+            <a:r>
+              <a:rPr lang="fr-FR" dirty="0"/>
+              <a:t>Engine = </a:t>
+            </a:r>
+            <a:r>
+              <a:rPr lang="fr-FR" dirty="0" err="1"/>
+              <a:t>create_async_engine</a:t>
+            </a:r>
+            <a:r>
+              <a:rPr lang="fr-FR" dirty="0"/>
+              <a:t>("</a:t>
+            </a:r>
+            <a:r>
+              <a:rPr lang="fr-FR" dirty="0" err="1"/>
+              <a:t>sqlite+aiosqlite</a:t>
+            </a:r>
+            <a:r>
+              <a:rPr lang="fr-FR" dirty="0"/>
+              <a:t>://", </a:t>
+            </a:r>
+            <a:r>
+              <a:rPr lang="fr-FR" dirty="0" err="1"/>
+              <a:t>echo</a:t>
+            </a:r>
+            <a:r>
+              <a:rPr lang="fr-FR" dirty="0"/>
+              <a:t>=</a:t>
+            </a:r>
+            <a:r>
+              <a:rPr lang="fr-FR" dirty="0" err="1"/>
+              <a:t>True</a:t>
+            </a:r>
+            <a:r>
+              <a:rPr lang="fr-FR" dirty="0"/>
+              <a:t>)</a:t>
+            </a:r>
+          </a:p>
+          <a:p>
+            <a:r>
+              <a:rPr lang="fr-FR" dirty="0" err="1"/>
+              <a:t>async_session</a:t>
+            </a:r>
+            <a:r>
+              <a:rPr lang="fr-FR" dirty="0"/>
+              <a:t> = </a:t>
+            </a:r>
+            <a:r>
+              <a:rPr lang="fr-FR" dirty="0" err="1"/>
+              <a:t>async_sessionmaker</a:t>
+            </a:r>
+            <a:r>
+              <a:rPr lang="fr-FR" dirty="0"/>
+              <a:t>(engine, </a:t>
+            </a:r>
+            <a:r>
+              <a:rPr lang="fr-FR" dirty="0" err="1"/>
+              <a:t>expire_on_commit</a:t>
+            </a:r>
+            <a:r>
+              <a:rPr lang="fr-FR" dirty="0"/>
+              <a:t>=False)</a:t>
+            </a:r>
+          </a:p>
+          <a:p>
+            <a:endParaRPr lang="fr-FR" dirty="0"/>
+          </a:p>
+        </p:txBody>
+      </p:sp>
+    </p:spTree>
+    <p:extLst>
+      <p:ext uri="{BB962C8B-B14F-4D97-AF65-F5344CB8AC3E}">
+        <p14:creationId xmlns:p14="http://schemas.microsoft.com/office/powerpoint/2010/main" val="1466789280"/>
       </p:ext>
     </p:extLst>
   </p:cSld>

--- a/ppt/Python23-Async.pptx
+++ b/ppt/Python23-Async.pptx
@@ -5079,6 +5079,14 @@
               <a:rPr lang="fr-FR" dirty="0"/>
               <a:t>Plus de contrôle</a:t>
             </a:r>
+          </a:p>
+          <a:p>
+            <a:pPr lvl="1"/>
+            <a:r>
+              <a:rPr lang="fr-FR"/>
+              <a:t>Plus facile</a:t>
+            </a:r>
+            <a:endParaRPr lang="fr-FR" dirty="0"/>
           </a:p>
         </p:txBody>
       </p:sp>

--- a/ppt/Python23-Async.pptx
+++ b/ppt/Python23-Async.pptx
@@ -4309,7 +4309,7 @@
             <a:pPr lvl="1"/>
             <a:r>
               <a:rPr lang="fr-FR" dirty="0"/>
-              <a:t>Utilisé par défaut dans Flask et </a:t>
+              <a:t>Utilisé par défaut dans </a:t>
             </a:r>
             <a:r>
               <a:rPr lang="fr-FR" dirty="0" err="1"/>
@@ -5173,6 +5173,9 @@
           <a:bodyPr/>
           <a:lstStyle/>
           <a:p>
+            <a:pPr marL="0" indent="0">
+              <a:buNone/>
+            </a:pPr>
             <a:r>
               <a:rPr lang="fr-FR" dirty="0" err="1"/>
               <a:t>from</a:t>
@@ -5196,6 +5199,9 @@
             <a:endParaRPr lang="fr-FR" dirty="0"/>
           </a:p>
           <a:p>
+            <a:pPr marL="0" indent="0">
+              <a:buNone/>
+            </a:pPr>
             <a:r>
               <a:rPr lang="fr-FR" dirty="0"/>
               <a:t>Engine = </a:t>
@@ -5210,30 +5216,17 @@
             </a:r>
             <a:r>
               <a:rPr lang="fr-FR" dirty="0" err="1"/>
-              <a:t>sqlite+aiosqlite</a:t>
+              <a:t>postgresql</a:t>
             </a:r>
             <a:r>
               <a:rPr lang="fr-FR" dirty="0"/>
-              <a:t>://", </a:t>
-            </a:r>
-            <a:r>
-              <a:rPr lang="fr-FR" dirty="0" err="1"/>
-              <a:t>echo</a:t>
-            </a:r>
-            <a:r>
-              <a:rPr lang="fr-FR" dirty="0"/>
-              <a:t>=</a:t>
-            </a:r>
-            <a:r>
-              <a:rPr lang="fr-FR" dirty="0" err="1"/>
-              <a:t>True</a:t>
-            </a:r>
-            <a:r>
-              <a:rPr lang="fr-FR" dirty="0"/>
-              <a:t>)</a:t>
-            </a:r>
-          </a:p>
-          <a:p>
+              <a:t>://")</a:t>
+            </a:r>
+          </a:p>
+          <a:p>
+            <a:pPr marL="0" indent="0">
+              <a:buNone/>
+            </a:pPr>
             <a:r>
               <a:rPr lang="fr-FR" dirty="0" err="1"/>
               <a:t>async_session</a:t>
